--- a/W06/W06.pptx
+++ b/W06/W06.pptx
@@ -5,7 +5,7 @@
     <p:sldMasterId id="2147483659" r:id="rId1"/>
   </p:sldMasterIdLst>
   <p:notesMasterIdLst>
-    <p:notesMasterId r:id="rId37"/>
+    <p:notesMasterId r:id="rId34"/>
   </p:notesMasterIdLst>
   <p:sldIdLst>
     <p:sldId id="256" r:id="rId2"/>
@@ -37,12 +37,9 @@
     <p:sldId id="345" r:id="rId28"/>
     <p:sldId id="346" r:id="rId29"/>
     <p:sldId id="347" r:id="rId30"/>
-    <p:sldId id="348" r:id="rId31"/>
-    <p:sldId id="349" r:id="rId32"/>
-    <p:sldId id="340" r:id="rId33"/>
-    <p:sldId id="350" r:id="rId34"/>
-    <p:sldId id="320" r:id="rId35"/>
-    <p:sldId id="321" r:id="rId36"/>
+    <p:sldId id="349" r:id="rId31"/>
+    <p:sldId id="340" r:id="rId32"/>
+    <p:sldId id="350" r:id="rId33"/>
   </p:sldIdLst>
   <p:sldSz cx="9144000" cy="6858000" type="screen4x3"/>
   <p:notesSz cx="6858000" cy="9144000"/>
@@ -277,7 +274,7 @@
   </p:defaultTextStyle>
   <p:extLst>
     <p:ext uri="{EFAFB233-063F-42B5-8137-9DF3F51BA10A}">
-      <p15:sldGuideLst xmlns="" xmlns:mc="http://schemas.openxmlformats.org/markup-compatibility/2006" xmlns:mv="urn:schemas-microsoft-com:mac:vml" xmlns:c="http://schemas.openxmlformats.org/drawingml/2006/chart" xmlns:dgm="http://schemas.openxmlformats.org/drawingml/2006/diagram" xmlns:o="urn:schemas-microsoft-com:office:office" xmlns:v="urn:schemas-microsoft-com:vml" xmlns:pvml="urn:schemas-microsoft-com:office:powerpoint" xmlns:com="http://schemas.openxmlformats.org/drawingml/2006/compatibility" xmlns:p14="http://schemas.microsoft.com/office/powerpoint/2010/main" xmlns:p15="http://schemas.microsoft.com/office/powerpoint/2012/main" xmlns:ahyp="http://schemas.microsoft.com/office/drawing/2018/hyperlinkcolor">
+      <p15:sldGuideLst xmlns:ahyp="http://schemas.microsoft.com/office/drawing/2018/hyperlinkcolor" xmlns:p15="http://schemas.microsoft.com/office/powerpoint/2012/main" xmlns:p14="http://schemas.microsoft.com/office/powerpoint/2010/main" xmlns:com="http://schemas.openxmlformats.org/drawingml/2006/compatibility" xmlns:pvml="urn:schemas-microsoft-com:office:powerpoint" xmlns:v="urn:schemas-microsoft-com:vml" xmlns:o="urn:schemas-microsoft-com:office:office" xmlns:dgm="http://schemas.openxmlformats.org/drawingml/2006/diagram" xmlns:c="http://schemas.openxmlformats.org/drawingml/2006/chart" xmlns:mv="urn:schemas-microsoft-com:mac:vml" xmlns:mc="http://schemas.openxmlformats.org/markup-compatibility/2006" xmlns="">
         <p15:guide id="1" orient="horz" pos="2160">
           <p15:clr>
             <a:srgbClr val="000000"/>
@@ -11761,16 +11758,11 @@
               <a:rPr lang="en-US" dirty="0" smtClean="0"/>
               <a:t> filter) </a:t>
             </a:r>
-            <a:endParaRPr lang="en-US" dirty="0" smtClean="0"/>
           </a:p>
           <a:p>
             <a:r>
               <a:rPr lang="zh-TW" altLang="en-US" dirty="0" smtClean="0"/>
-              <a:t>中</a:t>
-            </a:r>
-            <a:r>
-              <a:rPr lang="zh-TW" altLang="en-US" dirty="0" smtClean="0"/>
-              <a:t>通濾波 </a:t>
+              <a:t>中通濾波 </a:t>
             </a:r>
             <a:r>
               <a:rPr lang="en-US" altLang="zh-TW" dirty="0" smtClean="0"/>
@@ -11784,16 +11776,11 @@
               <a:rPr lang="en-US" dirty="0" smtClean="0"/>
               <a:t> filter) </a:t>
             </a:r>
-            <a:endParaRPr lang="en-US" dirty="0" smtClean="0"/>
           </a:p>
           <a:p>
             <a:r>
               <a:rPr lang="zh-TW" altLang="en-US" dirty="0" smtClean="0"/>
-              <a:t>高</a:t>
-            </a:r>
-            <a:r>
-              <a:rPr lang="zh-TW" altLang="en-US" dirty="0" smtClean="0"/>
-              <a:t>通濾波 </a:t>
+              <a:t>高通濾波 </a:t>
             </a:r>
             <a:r>
               <a:rPr lang="en-US" altLang="zh-TW" dirty="0" smtClean="0"/>
@@ -11872,11 +11859,7 @@
           <a:p>
             <a:r>
               <a:rPr lang="zh-TW" altLang="en-US" dirty="0" smtClean="0"/>
-              <a:t>通常會是邊</a:t>
-            </a:r>
-            <a:r>
-              <a:rPr lang="zh-TW" altLang="en-US" dirty="0" smtClean="0"/>
-              <a:t>長為奇數的正方形遮罩（</a:t>
+              <a:t>通常會是邊長為奇數的正方形遮罩（</a:t>
             </a:r>
             <a:r>
               <a:rPr lang="en-US" altLang="zh-TW" dirty="0" smtClean="0"/>
@@ -11888,11 +11871,7 @@
             </a:r>
             <a:r>
               <a:rPr lang="en-US" altLang="zh-TW" b="1" dirty="0" smtClean="0"/>
-              <a:t>" kernel </a:t>
-            </a:r>
-            <a:r>
-              <a:rPr lang="en-US" altLang="zh-TW" b="1" dirty="0" smtClean="0"/>
-              <a:t>“</a:t>
+              <a:t>" kernel “</a:t>
             </a:r>
           </a:p>
           <a:p>
@@ -12510,13 +12489,7 @@
               <a:rPr lang="en-US" altLang="zh-TW" dirty="0" smtClean="0">
                 <a:hlinkClick r:id="rId2"/>
               </a:rPr>
-              <a:t>https://www.tinytsunami.info/Image-Filter</a:t>
-            </a:r>
-            <a:r>
-              <a:rPr lang="en-US" altLang="zh-TW" dirty="0" smtClean="0">
-                <a:hlinkClick r:id="rId2"/>
-              </a:rPr>
-              <a:t>/</a:t>
+              <a:t>https://www.tinytsunami.info/Image-Filter/</a:t>
             </a:r>
             <a:endParaRPr lang="en-US" altLang="zh-TW" dirty="0" smtClean="0"/>
           </a:p>
@@ -12558,13 +12531,7 @@
               <a:rPr lang="en-US" altLang="zh-TW" dirty="0" smtClean="0">
                 <a:hlinkClick r:id="rId3"/>
               </a:rPr>
-              <a:t>https://</a:t>
-            </a:r>
-            <a:r>
-              <a:rPr lang="en-US" altLang="zh-TW" dirty="0" smtClean="0">
-                <a:hlinkClick r:id="rId3"/>
-              </a:rPr>
-              <a:t>www.gsn-lib.org/docs/nodes/ImageFilterNode.php</a:t>
+              <a:t>https://www.gsn-lib.org/docs/nodes/ImageFilterNode.php</a:t>
             </a:r>
             <a:endParaRPr lang="en-US" altLang="zh-TW" dirty="0" smtClean="0"/>
           </a:p>
@@ -12579,11 +12546,7 @@
             </a:r>
             <a:r>
               <a:rPr lang="en-US" altLang="zh-TW" dirty="0" smtClean="0"/>
-              <a:t>AI </a:t>
-            </a:r>
-            <a:r>
-              <a:rPr lang="en-US" altLang="zh-TW" dirty="0" smtClean="0"/>
-              <a:t>image processing</a:t>
+              <a:t>AI image processing</a:t>
             </a:r>
             <a:br>
               <a:rPr lang="en-US" altLang="zh-TW" dirty="0" smtClean="0"/>
@@ -12596,13 +12559,7 @@
               <a:rPr lang="en-US" altLang="zh-TW" dirty="0" smtClean="0">
                 <a:hlinkClick r:id="rId4"/>
               </a:rPr>
-              <a:t>https://www.imgkits.com</a:t>
-            </a:r>
-            <a:r>
-              <a:rPr lang="en-US" altLang="zh-TW" dirty="0" smtClean="0">
-                <a:hlinkClick r:id="rId4"/>
-              </a:rPr>
-              <a:t>/</a:t>
+              <a:t>https://www.imgkits.com/</a:t>
             </a:r>
             <a:endParaRPr lang="en-US" altLang="zh-TW" dirty="0" smtClean="0"/>
           </a:p>
@@ -12796,30 +12753,18 @@
           <a:p>
             <a:r>
               <a:rPr lang="zh-TW" altLang="en-US" dirty="0" smtClean="0"/>
-              <a:t>池化層夾在連續的卷積層中間， 用於壓縮資料和引數的</a:t>
-            </a:r>
+              <a:t>池化層夾在連續的卷積層中間， 用於壓縮資料和引數的量</a:t>
+            </a:r>
+            <a:endParaRPr lang="en-US" altLang="zh-TW" dirty="0" smtClean="0"/>
+          </a:p>
+          <a:p>
             <a:r>
               <a:rPr lang="zh-TW" altLang="en-US" dirty="0" smtClean="0"/>
-              <a:t>量</a:t>
-            </a:r>
-            <a:endParaRPr lang="en-US" altLang="zh-TW" dirty="0" smtClean="0"/>
-          </a:p>
-          <a:p>
-            <a:r>
-              <a:rPr lang="zh-TW" altLang="en-US" dirty="0" smtClean="0"/>
-              <a:t>一般來說，會</a:t>
-            </a:r>
-            <a:r>
-              <a:rPr lang="zh-TW" altLang="en-US" dirty="0" smtClean="0"/>
-              <a:t>有</a:t>
+              <a:t>一般來說，會有</a:t>
             </a:r>
             <a:r>
               <a:rPr lang="en-US" altLang="zh-TW" dirty="0" smtClean="0"/>
-              <a:t>【</a:t>
-            </a:r>
-            <a:r>
-              <a:rPr lang="en-US" altLang="zh-TW" dirty="0" smtClean="0"/>
-              <a:t>Max-Pooling】</a:t>
+              <a:t>【Max-Pooling】</a:t>
             </a:r>
             <a:r>
               <a:rPr lang="zh-TW" altLang="en-US" dirty="0" smtClean="0"/>
@@ -13119,11 +13064,7 @@
           <a:p>
             <a:r>
               <a:rPr lang="zh-TW" altLang="en-US" dirty="0" smtClean="0"/>
-              <a:t>全</a:t>
-            </a:r>
-            <a:r>
-              <a:rPr lang="zh-TW" altLang="en-US" dirty="0" smtClean="0"/>
-              <a:t>連結層</a:t>
+              <a:t>全連結層</a:t>
             </a:r>
             <a:endParaRPr lang="zh-TW" altLang="en-US" dirty="0"/>
           </a:p>
@@ -14289,73 +14230,6 @@
           <a:p>
             <a:r>
               <a:rPr lang="zh-TW" altLang="en-US" dirty="0" smtClean="0"/>
-              <a:t>貓狗分類</a:t>
-            </a:r>
-            <a:endParaRPr lang="zh-TW" altLang="en-US" dirty="0"/>
-          </a:p>
-        </p:txBody>
-      </p:sp>
-      <p:sp>
-        <p:nvSpPr>
-          <p:cNvPr id="3" name="文字版面配置區 2"/>
-          <p:cNvSpPr>
-            <a:spLocks noGrp="1"/>
-          </p:cNvSpPr>
-          <p:nvPr>
-            <p:ph type="body" idx="1"/>
-          </p:nvPr>
-        </p:nvSpPr>
-        <p:spPr/>
-        <p:txBody>
-          <a:bodyPr/>
-          <a:lstStyle/>
-          <a:p>
-            <a:endParaRPr lang="zh-TW" altLang="en-US"/>
-          </a:p>
-        </p:txBody>
-      </p:sp>
-    </p:spTree>
-  </p:cSld>
-  <p:clrMapOvr>
-    <a:masterClrMapping/>
-  </p:clrMapOvr>
-</p:sld>
-</file>
-
-<file path=ppt/slides/slide31.xml><?xml version="1.0" encoding="utf-8"?>
-<p:sld xmlns:a="http://schemas.openxmlformats.org/drawingml/2006/main" xmlns:r="http://schemas.openxmlformats.org/officeDocument/2006/relationships" xmlns:p="http://schemas.openxmlformats.org/presentationml/2006/main">
-  <p:cSld>
-    <p:spTree>
-      <p:nvGrpSpPr>
-        <p:cNvPr id="1" name=""/>
-        <p:cNvGrpSpPr/>
-        <p:nvPr/>
-      </p:nvGrpSpPr>
-      <p:grpSpPr>
-        <a:xfrm>
-          <a:off x="0" y="0"/>
-          <a:ext cx="0" cy="0"/>
-          <a:chOff x="0" y="0"/>
-          <a:chExt cx="0" cy="0"/>
-        </a:xfrm>
-      </p:grpSpPr>
-      <p:sp>
-        <p:nvSpPr>
-          <p:cNvPr id="2" name="標題 1"/>
-          <p:cNvSpPr>
-            <a:spLocks noGrp="1"/>
-          </p:cNvSpPr>
-          <p:nvPr>
-            <p:ph type="title"/>
-          </p:nvPr>
-        </p:nvSpPr>
-        <p:spPr/>
-        <p:txBody>
-          <a:bodyPr/>
-          <a:lstStyle/>
-          <a:p>
-            <a:r>
-              <a:rPr lang="zh-TW" altLang="en-US" dirty="0" smtClean="0"/>
               <a:t>使用已經訓練好的模型</a:t>
             </a:r>
             <a:endParaRPr lang="zh-TW" altLang="en-US" dirty="0"/>
@@ -14523,7 +14397,7 @@
 </p:sld>
 </file>
 
-<file path=ppt/slides/slide32.xml><?xml version="1.0" encoding="utf-8"?>
+<file path=ppt/slides/slide31.xml><?xml version="1.0" encoding="utf-8"?>
 <p:sld xmlns:a="http://schemas.openxmlformats.org/drawingml/2006/main" xmlns:r="http://schemas.openxmlformats.org/officeDocument/2006/relationships" xmlns:p="http://schemas.openxmlformats.org/presentationml/2006/main">
   <p:cSld>
     <p:spTree>
@@ -14635,7 +14509,7 @@
 </p:sld>
 </file>
 
-<file path=ppt/slides/slide33.xml><?xml version="1.0" encoding="utf-8"?>
+<file path=ppt/slides/slide32.xml><?xml version="1.0" encoding="utf-8"?>
 <p:sld xmlns:a="http://schemas.openxmlformats.org/drawingml/2006/main" xmlns:r="http://schemas.openxmlformats.org/officeDocument/2006/relationships" xmlns:p="http://schemas.openxmlformats.org/presentationml/2006/main">
   <p:cSld>
     <p:spTree>
@@ -14731,260 +14605,6 @@
           <a:effectLst/>
         </p:spPr>
       </p:pic>
-    </p:spTree>
-  </p:cSld>
-  <p:clrMapOvr>
-    <a:masterClrMapping/>
-  </p:clrMapOvr>
-</p:sld>
-</file>
-
-<file path=ppt/slides/slide34.xml><?xml version="1.0" encoding="utf-8"?>
-<p:sld xmlns:a="http://schemas.openxmlformats.org/drawingml/2006/main" xmlns:r="http://schemas.openxmlformats.org/officeDocument/2006/relationships" xmlns:p="http://schemas.openxmlformats.org/presentationml/2006/main">
-  <p:cSld>
-    <p:spTree>
-      <p:nvGrpSpPr>
-        <p:cNvPr id="1" name=""/>
-        <p:cNvGrpSpPr/>
-        <p:nvPr/>
-      </p:nvGrpSpPr>
-      <p:grpSpPr>
-        <a:xfrm>
-          <a:off x="0" y="0"/>
-          <a:ext cx="0" cy="0"/>
-          <a:chOff x="0" y="0"/>
-          <a:chExt cx="0" cy="0"/>
-        </a:xfrm>
-      </p:grpSpPr>
-      <p:sp>
-        <p:nvSpPr>
-          <p:cNvPr id="2" name="標題 1"/>
-          <p:cNvSpPr>
-            <a:spLocks noGrp="1"/>
-          </p:cNvSpPr>
-          <p:nvPr>
-            <p:ph type="title"/>
-          </p:nvPr>
-        </p:nvSpPr>
-        <p:spPr/>
-        <p:txBody>
-          <a:bodyPr/>
-          <a:lstStyle/>
-          <a:p>
-            <a:endParaRPr lang="zh-TW" altLang="en-US"/>
-          </a:p>
-        </p:txBody>
-      </p:sp>
-      <p:sp>
-        <p:nvSpPr>
-          <p:cNvPr id="3" name="文字版面配置區 2"/>
-          <p:cNvSpPr>
-            <a:spLocks noGrp="1"/>
-          </p:cNvSpPr>
-          <p:nvPr>
-            <p:ph type="body" idx="1"/>
-          </p:nvPr>
-        </p:nvSpPr>
-        <p:spPr/>
-        <p:txBody>
-          <a:bodyPr>
-            <a:normAutofit fontScale="85000" lnSpcReduction="20000"/>
-          </a:bodyPr>
-          <a:lstStyle/>
-          <a:p>
-            <a:r>
-              <a:rPr lang="zh-TW" altLang="en-US" dirty="0" smtClean="0"/>
-              <a:t>後續先用這篇文章延伸</a:t>
-            </a:r>
-            <a:r>
-              <a:rPr lang="en-US" altLang="zh-TW" dirty="0" smtClean="0"/>
-              <a:t>: </a:t>
-            </a:r>
-            <a:r>
-              <a:rPr lang="en-US" altLang="zh-TW" dirty="0" smtClean="0">
-                <a:hlinkClick r:id="rId2"/>
-              </a:rPr>
-              <a:t>https://www.796t.com/content/1544991316.html</a:t>
-            </a:r>
-            <a:endParaRPr lang="en-US" altLang="zh-TW" dirty="0" smtClean="0"/>
-          </a:p>
-          <a:p>
-            <a:r>
-              <a:rPr lang="zh-TW" altLang="en-US" dirty="0" smtClean="0"/>
-              <a:t>第二參考：</a:t>
-            </a:r>
-            <a:r>
-              <a:rPr lang="en-US" altLang="zh-TW" dirty="0" smtClean="0"/>
-              <a:t> </a:t>
-            </a:r>
-            <a:r>
-              <a:rPr lang="en-US" altLang="zh-TW" dirty="0" smtClean="0">
-                <a:hlinkClick r:id="rId3"/>
-              </a:rPr>
-              <a:t>https://ithelp.ithome.com.tw/articles/10221327</a:t>
-            </a:r>
-            <a:endParaRPr lang="en-US" altLang="zh-TW" dirty="0" smtClean="0"/>
-          </a:p>
-          <a:p>
-            <a:r>
-              <a:rPr lang="zh-TW" altLang="en-US" dirty="0" smtClean="0"/>
-              <a:t>上一篇的總覽：</a:t>
-            </a:r>
-            <a:r>
-              <a:rPr lang="en-US" altLang="zh-TW" dirty="0" smtClean="0"/>
-              <a:t> </a:t>
-            </a:r>
-            <a:r>
-              <a:rPr lang="en-US" altLang="zh-TW" dirty="0" smtClean="0">
-                <a:hlinkClick r:id="rId4"/>
-              </a:rPr>
-              <a:t>https://ithelp.ithome.com.tw/users/20121098/ironman/2848</a:t>
-            </a:r>
-            <a:endParaRPr lang="en-US" altLang="zh-TW" dirty="0" smtClean="0"/>
-          </a:p>
-          <a:p>
-            <a:r>
-              <a:rPr lang="zh-TW" altLang="en-US" dirty="0" smtClean="0"/>
-              <a:t>第三參考：</a:t>
-            </a:r>
-            <a:r>
-              <a:rPr lang="en-US" altLang="zh-TW" dirty="0" smtClean="0"/>
-              <a:t> </a:t>
-            </a:r>
-            <a:r>
-              <a:rPr lang="en-US" altLang="zh-TW" dirty="0" smtClean="0">
-                <a:hlinkClick r:id="rId5"/>
-              </a:rPr>
-              <a:t>https://syshen.medium.com/%E6%94%B9%E5%96%84-cnn-%E8%BE%A8%E8%AD%98%E7%8E%87-dac9fce59b63</a:t>
-            </a:r>
-            <a:endParaRPr lang="en-US" altLang="zh-TW" dirty="0" smtClean="0"/>
-          </a:p>
-          <a:p>
-            <a:r>
-              <a:rPr lang="zh-TW" altLang="en-US" dirty="0" smtClean="0"/>
-              <a:t>第四參考：</a:t>
-            </a:r>
-            <a:endParaRPr lang="en-US" altLang="zh-TW" dirty="0" smtClean="0"/>
-          </a:p>
-          <a:p>
-            <a:r>
-              <a:rPr lang="en-US" altLang="zh-TW" dirty="0" smtClean="0">
-                <a:hlinkClick r:id="rId6"/>
-              </a:rPr>
-              <a:t>https://ithelp.ithome.com.tw/users/20001976/ironman/1395</a:t>
-            </a:r>
-            <a:endParaRPr lang="en-US" altLang="zh-TW" dirty="0" smtClean="0"/>
-          </a:p>
-          <a:p>
-            <a:r>
-              <a:rPr lang="zh-TW" altLang="en-US" dirty="0" smtClean="0"/>
-              <a:t>第五參考：</a:t>
-            </a:r>
-            <a:endParaRPr lang="en-US" altLang="zh-TW" dirty="0" smtClean="0"/>
-          </a:p>
-          <a:p>
-            <a:r>
-              <a:rPr lang="en-US" altLang="zh-TW" dirty="0" smtClean="0">
-                <a:hlinkClick r:id="rId7"/>
-              </a:rPr>
-              <a:t>https://medium.com/jameslearningnote/%E8%B3%87%E6%96%99%E5%88%86%E6%9E%90-%E6%A9%9F%E5%99%A8%E5%AD%B8%E7%BF%92-%E7%AC%AC5-1%E8%AC%9B-%E5%8D%B7%E7%A9%8D%E7%A5%9E%E7%B6%93%E7%B6%B2%E7%B5%A1%E4%BB%8B%E7%B4%B9-convolutional-neural-network-4f8249d65d4f</a:t>
-            </a:r>
-            <a:endParaRPr lang="en-US" altLang="zh-TW" dirty="0" smtClean="0"/>
-          </a:p>
-          <a:p>
-            <a:endParaRPr lang="en-US" altLang="zh-TW" dirty="0" smtClean="0"/>
-          </a:p>
-          <a:p>
-            <a:endParaRPr lang="zh-TW" altLang="en-US" dirty="0"/>
-          </a:p>
-        </p:txBody>
-      </p:sp>
-    </p:spTree>
-  </p:cSld>
-  <p:clrMapOvr>
-    <a:masterClrMapping/>
-  </p:clrMapOvr>
-  <p:timing>
-    <p:tnLst>
-      <p:par>
-        <p:cTn id="1" dur="indefinite" restart="never" nodeType="tmRoot"/>
-      </p:par>
-    </p:tnLst>
-  </p:timing>
-</p:sld>
-</file>
-
-<file path=ppt/slides/slide35.xml><?xml version="1.0" encoding="utf-8"?>
-<p:sld xmlns:a="http://schemas.openxmlformats.org/drawingml/2006/main" xmlns:r="http://schemas.openxmlformats.org/officeDocument/2006/relationships" xmlns:p="http://schemas.openxmlformats.org/presentationml/2006/main">
-  <p:cSld>
-    <p:spTree>
-      <p:nvGrpSpPr>
-        <p:cNvPr id="1" name=""/>
-        <p:cNvGrpSpPr/>
-        <p:nvPr/>
-      </p:nvGrpSpPr>
-      <p:grpSpPr>
-        <a:xfrm>
-          <a:off x="0" y="0"/>
-          <a:ext cx="0" cy="0"/>
-          <a:chOff x="0" y="0"/>
-          <a:chExt cx="0" cy="0"/>
-        </a:xfrm>
-      </p:grpSpPr>
-      <p:sp>
-        <p:nvSpPr>
-          <p:cNvPr id="2" name="標題 1"/>
-          <p:cNvSpPr>
-            <a:spLocks noGrp="1"/>
-          </p:cNvSpPr>
-          <p:nvPr>
-            <p:ph type="title"/>
-          </p:nvPr>
-        </p:nvSpPr>
-        <p:spPr/>
-        <p:txBody>
-          <a:bodyPr/>
-          <a:lstStyle/>
-          <a:p>
-            <a:endParaRPr lang="zh-TW" altLang="en-US"/>
-          </a:p>
-        </p:txBody>
-      </p:sp>
-      <p:sp>
-        <p:nvSpPr>
-          <p:cNvPr id="3" name="文字版面配置區 2"/>
-          <p:cNvSpPr>
-            <a:spLocks noGrp="1"/>
-          </p:cNvSpPr>
-          <p:nvPr>
-            <p:ph type="body" idx="1"/>
-          </p:nvPr>
-        </p:nvSpPr>
-        <p:spPr/>
-        <p:txBody>
-          <a:bodyPr/>
-          <a:lstStyle/>
-          <a:p>
-            <a:r>
-              <a:rPr lang="zh-TW" altLang="en-US" dirty="0" smtClean="0"/>
-              <a:t>很棒，建議閱讀、實作的網頁資料</a:t>
-            </a:r>
-            <a:endParaRPr lang="en-US" altLang="zh-TW" dirty="0" smtClean="0"/>
-          </a:p>
-          <a:p>
-            <a:r>
-              <a:rPr lang="en-US" altLang="zh-TW" dirty="0" smtClean="0">
-                <a:hlinkClick r:id="rId2"/>
-              </a:rPr>
-              <a:t>https://brohrer.mcknote.com/zh-Hant/how_machine_learning_works/how_convolutional_neural_networks_work.html</a:t>
-            </a:r>
-            <a:endParaRPr lang="en-US" altLang="zh-TW" dirty="0" smtClean="0"/>
-          </a:p>
-          <a:p>
-            <a:endParaRPr lang="zh-TW" altLang="en-US" dirty="0"/>
-          </a:p>
-        </p:txBody>
-      </p:sp>
     </p:spTree>
   </p:cSld>
   <p:clrMapOvr>
@@ -15613,11 +15233,7 @@
           <a:p>
             <a:r>
               <a:rPr lang="en-US" altLang="zh-TW" dirty="0" smtClean="0"/>
-              <a:t>Ref: http</a:t>
-            </a:r>
-            <a:r>
-              <a:rPr lang="en-US" altLang="zh-TW" dirty="0" smtClean="0"/>
-              <a:t>://ip.csie.ncu.edu.tw/course/IP/IP1606cp.pdf</a:t>
+              <a:t>Ref: http://ip.csie.ncu.edu.tw/course/IP/IP1606cp.pdf</a:t>
             </a:r>
             <a:endParaRPr lang="zh-TW" altLang="en-US" dirty="0"/>
           </a:p>
